--- a/大三上/软工导论/课件/第04章 可行性研究.pptx
+++ b/大三上/软工导论/课件/第04章 可行性研究.pptx
@@ -284,7 +284,7 @@
             </a:pPr>
             <a:fld id="{8AFA9A01-FEC0-4FA4-A600-E349A0E04B56}" type="datetimeFigureOut">
               <a:rPr lang="zh-CN" altLang="en-US"/>
-              <a:t>2025/9/12</a:t>
+              <a:t>2026/1/4</a:t>
             </a:fld>
             <a:endParaRPr lang="zh-CN" altLang="en-US"/>
           </a:p>
@@ -9773,7 +9773,7 @@
         </p:blipFill>
         <p:spPr bwMode="auto">
           <a:xfrm>
-            <a:off x="1357313" y="3857625"/>
+            <a:off x="1403648" y="4509120"/>
             <a:ext cx="6572250" cy="1949450"/>
           </a:xfrm>
           <a:prstGeom prst="rect">
